--- a/[190910]README.pptx
+++ b/[190910]README.pptx
@@ -838,7 +838,7 @@
           <a:p>
             <a:fld id="{A237ECAE-1647-4F0A-AC41-16BAFA815D72}" type="datetimeFigureOut">
               <a:rPr lang="zh-TW" altLang="en-US" smtClean="0"/>
-              <a:t>2019/9/11</a:t>
+              <a:t>2019/9/12</a:t>
             </a:fld>
             <a:endParaRPr lang="zh-TW" altLang="en-US"/>
           </a:p>
@@ -1008,7 +1008,7 @@
           <a:p>
             <a:fld id="{A237ECAE-1647-4F0A-AC41-16BAFA815D72}" type="datetimeFigureOut">
               <a:rPr lang="zh-TW" altLang="en-US" smtClean="0"/>
-              <a:t>2019/9/11</a:t>
+              <a:t>2019/9/12</a:t>
             </a:fld>
             <a:endParaRPr lang="zh-TW" altLang="en-US"/>
           </a:p>
@@ -1188,7 +1188,7 @@
           <a:p>
             <a:fld id="{A237ECAE-1647-4F0A-AC41-16BAFA815D72}" type="datetimeFigureOut">
               <a:rPr lang="zh-TW" altLang="en-US" smtClean="0"/>
-              <a:t>2019/9/11</a:t>
+              <a:t>2019/9/12</a:t>
             </a:fld>
             <a:endParaRPr lang="zh-TW" altLang="en-US"/>
           </a:p>
@@ -1358,7 +1358,7 @@
           <a:p>
             <a:fld id="{A237ECAE-1647-4F0A-AC41-16BAFA815D72}" type="datetimeFigureOut">
               <a:rPr lang="zh-TW" altLang="en-US" smtClean="0"/>
-              <a:t>2019/9/11</a:t>
+              <a:t>2019/9/12</a:t>
             </a:fld>
             <a:endParaRPr lang="zh-TW" altLang="en-US"/>
           </a:p>
@@ -1604,7 +1604,7 @@
           <a:p>
             <a:fld id="{A237ECAE-1647-4F0A-AC41-16BAFA815D72}" type="datetimeFigureOut">
               <a:rPr lang="zh-TW" altLang="en-US" smtClean="0"/>
-              <a:t>2019/9/11</a:t>
+              <a:t>2019/9/12</a:t>
             </a:fld>
             <a:endParaRPr lang="zh-TW" altLang="en-US"/>
           </a:p>
@@ -1836,7 +1836,7 @@
           <a:p>
             <a:fld id="{A237ECAE-1647-4F0A-AC41-16BAFA815D72}" type="datetimeFigureOut">
               <a:rPr lang="zh-TW" altLang="en-US" smtClean="0"/>
-              <a:t>2019/9/11</a:t>
+              <a:t>2019/9/12</a:t>
             </a:fld>
             <a:endParaRPr lang="zh-TW" altLang="en-US"/>
           </a:p>
@@ -2203,7 +2203,7 @@
           <a:p>
             <a:fld id="{A237ECAE-1647-4F0A-AC41-16BAFA815D72}" type="datetimeFigureOut">
               <a:rPr lang="zh-TW" altLang="en-US" smtClean="0"/>
-              <a:t>2019/9/11</a:t>
+              <a:t>2019/9/12</a:t>
             </a:fld>
             <a:endParaRPr lang="zh-TW" altLang="en-US"/>
           </a:p>
@@ -2321,7 +2321,7 @@
           <a:p>
             <a:fld id="{A237ECAE-1647-4F0A-AC41-16BAFA815D72}" type="datetimeFigureOut">
               <a:rPr lang="zh-TW" altLang="en-US" smtClean="0"/>
-              <a:t>2019/9/11</a:t>
+              <a:t>2019/9/12</a:t>
             </a:fld>
             <a:endParaRPr lang="zh-TW" altLang="en-US"/>
           </a:p>
@@ -2416,7 +2416,7 @@
           <a:p>
             <a:fld id="{A237ECAE-1647-4F0A-AC41-16BAFA815D72}" type="datetimeFigureOut">
               <a:rPr lang="zh-TW" altLang="en-US" smtClean="0"/>
-              <a:t>2019/9/11</a:t>
+              <a:t>2019/9/12</a:t>
             </a:fld>
             <a:endParaRPr lang="zh-TW" altLang="en-US"/>
           </a:p>
@@ -2693,7 +2693,7 @@
           <a:p>
             <a:fld id="{A237ECAE-1647-4F0A-AC41-16BAFA815D72}" type="datetimeFigureOut">
               <a:rPr lang="zh-TW" altLang="en-US" smtClean="0"/>
-              <a:t>2019/9/11</a:t>
+              <a:t>2019/9/12</a:t>
             </a:fld>
             <a:endParaRPr lang="zh-TW" altLang="en-US"/>
           </a:p>
@@ -2946,7 +2946,7 @@
           <a:p>
             <a:fld id="{A237ECAE-1647-4F0A-AC41-16BAFA815D72}" type="datetimeFigureOut">
               <a:rPr lang="zh-TW" altLang="en-US" smtClean="0"/>
-              <a:t>2019/9/11</a:t>
+              <a:t>2019/9/12</a:t>
             </a:fld>
             <a:endParaRPr lang="zh-TW" altLang="en-US"/>
           </a:p>
@@ -3159,7 +3159,7 @@
           <a:p>
             <a:fld id="{A237ECAE-1647-4F0A-AC41-16BAFA815D72}" type="datetimeFigureOut">
               <a:rPr lang="zh-TW" altLang="en-US" smtClean="0"/>
-              <a:t>2019/9/11</a:t>
+              <a:t>2019/9/12</a:t>
             </a:fld>
             <a:endParaRPr lang="zh-TW" altLang="en-US"/>
           </a:p>
@@ -3686,11 +3686,7 @@
           <a:p>
             <a:r>
               <a:rPr lang="en-US" altLang="zh-TW" dirty="0" smtClean="0"/>
-              <a:t>Import source: C:\Users\yen\Documents\GitHub\Smart-Logistics-Plan\eclipse </a:t>
-            </a:r>
-            <a:r>
-              <a:rPr lang="en-US" altLang="zh-TW" dirty="0" smtClean="0"/>
-              <a:t>workspace\</a:t>
+              <a:t>Import source: C:\Users\yen\Documents\GitHub\Smart-Logistics-Plan\eclipse workspace\</a:t>
             </a:r>
             <a:r>
               <a:rPr lang="en-US" altLang="zh-TW" dirty="0" err="1" smtClean="0"/>
@@ -3897,7 +3893,12 @@
             <p:ph idx="1"/>
           </p:nvPr>
         </p:nvSpPr>
-        <p:spPr/>
+        <p:spPr>
+          <a:xfrm>
+            <a:off x="838200" y="1848485"/>
+            <a:ext cx="10515600" cy="4351338"/>
+          </a:xfrm>
+        </p:spPr>
         <p:txBody>
           <a:bodyPr/>
           <a:lstStyle/>
@@ -3905,6 +3906,35 @@
             <a:r>
               <a:rPr lang="en-US" altLang="zh-TW" dirty="0" smtClean="0"/>
               <a:t>XAMPP</a:t>
+            </a:r>
+          </a:p>
+          <a:p>
+            <a:r>
+              <a:rPr lang="zh-TW" altLang="en-US" dirty="0" smtClean="0"/>
+              <a:t>下載</a:t>
+            </a:r>
+            <a:r>
+              <a:rPr lang="en-US" altLang="zh-TW" dirty="0" smtClean="0"/>
+              <a:t>java-</a:t>
+            </a:r>
+            <a:r>
+              <a:rPr lang="en-US" altLang="zh-TW" dirty="0" err="1" smtClean="0"/>
+              <a:t>jdk</a:t>
+            </a:r>
+            <a:endParaRPr lang="en-US" altLang="zh-TW" dirty="0" smtClean="0"/>
+          </a:p>
+          <a:p>
+            <a:r>
+              <a:rPr lang="zh-TW" altLang="en-US" dirty="0" smtClean="0"/>
+              <a:t>下載</a:t>
+            </a:r>
+            <a:r>
+              <a:rPr lang="en-US" altLang="zh-TW" dirty="0" smtClean="0"/>
+              <a:t>java-</a:t>
+            </a:r>
+            <a:r>
+              <a:rPr lang="en-US" altLang="zh-TW" dirty="0" err="1" smtClean="0"/>
+              <a:t>jre</a:t>
             </a:r>
             <a:endParaRPr lang="zh-TW" altLang="en-US" dirty="0"/>
           </a:p>
